--- a/project doc/Social networking site.pptx
+++ b/project doc/Social networking site.pptx
@@ -8242,7 +8242,7 @@
           <a:p>
             <a:fld id="{078DDDEA-63BC-40A0-8BC0-D6413F38691F}" type="datetimeFigureOut">
               <a:rPr lang="en-US" smtClean="0"/>
-              <a:t>5/10/2022</a:t>
+              <a:t>6/3/2023</a:t>
             </a:fld>
             <a:endParaRPr lang="en-US" dirty="0"/>
           </a:p>
@@ -8891,7 +8891,7 @@
           <a:p>
             <a:fld id="{ED291B17-9318-49DB-B28B-6E5994AE9581}" type="datetime1">
               <a:rPr lang="en-US" smtClean="0"/>
-              <a:t>5/10/2022</a:t>
+              <a:t>6/3/2023</a:t>
             </a:fld>
             <a:endParaRPr lang="en-US" dirty="0"/>
           </a:p>
@@ -9089,7 +9089,7 @@
           <a:p>
             <a:fld id="{78DD82B9-B8EE-4375-B6FF-88FA6ABB15D9}" type="datetime1">
               <a:rPr lang="en-US" smtClean="0"/>
-              <a:t>5/10/2022</a:t>
+              <a:t>6/3/2023</a:t>
             </a:fld>
             <a:endParaRPr lang="en-US" dirty="0"/>
           </a:p>
@@ -9401,7 +9401,7 @@
           <a:p>
             <a:fld id="{B2497495-0637-405E-AE64-5CC7506D51F5}" type="datetime1">
               <a:rPr lang="en-US" smtClean="0"/>
-              <a:t>5/10/2022</a:t>
+              <a:t>6/3/2023</a:t>
             </a:fld>
             <a:endParaRPr lang="en-US" dirty="0"/>
           </a:p>
@@ -9654,7 +9654,7 @@
           <a:p>
             <a:fld id="{7BFFD690-9426-415D-8B65-26881E07B2D4}" type="datetime1">
               <a:rPr lang="en-US" smtClean="0"/>
-              <a:t>5/10/2022</a:t>
+              <a:t>6/3/2023</a:t>
             </a:fld>
             <a:endParaRPr lang="en-US" dirty="0"/>
           </a:p>
@@ -10076,7 +10076,7 @@
           <a:p>
             <a:fld id="{04C4989A-474C-40DE-95B9-011C28B71673}" type="datetime1">
               <a:rPr lang="en-US" smtClean="0"/>
-              <a:t>5/10/2022</a:t>
+              <a:t>6/3/2023</a:t>
             </a:fld>
             <a:endParaRPr lang="en-US" dirty="0"/>
           </a:p>
@@ -10199,7 +10199,7 @@
           <a:p>
             <a:fld id="{5DB4ED54-5B5E-4A04-93D3-5772E3CE3818}" type="datetime1">
               <a:rPr lang="en-US" smtClean="0"/>
-              <a:t>5/10/2022</a:t>
+              <a:t>6/3/2023</a:t>
             </a:fld>
             <a:endParaRPr lang="en-US" dirty="0"/>
           </a:p>
@@ -10294,7 +10294,7 @@
           <a:p>
             <a:fld id="{4EDE50D6-574B-40AF-946F-D52A04ADE379}" type="datetime1">
               <a:rPr lang="en-US" smtClean="0"/>
-              <a:t>5/10/2022</a:t>
+              <a:t>6/3/2023</a:t>
             </a:fld>
             <a:endParaRPr lang="en-US" dirty="0"/>
           </a:p>
@@ -10671,7 +10671,7 @@
           <a:p>
             <a:fld id="{D82884F1-FFEA-405F-9602-3DCA865EDA4E}" type="datetime1">
               <a:rPr lang="en-US" smtClean="0"/>
-              <a:t>5/10/2022</a:t>
+              <a:t>6/3/2023</a:t>
             </a:fld>
             <a:endParaRPr lang="en-US" dirty="0"/>
           </a:p>
@@ -10964,7 +10964,7 @@
           <a:p>
             <a:fld id="{7E18DB4A-8810-4A10-AD5C-D5E2C667F5B3}" type="datetime1">
               <a:rPr lang="en-US" smtClean="0"/>
-              <a:t>5/10/2022</a:t>
+              <a:t>6/3/2023</a:t>
             </a:fld>
             <a:endParaRPr lang="en-US" dirty="0"/>
           </a:p>
@@ -11179,7 +11179,7 @@
           <a:p>
             <a:fld id="{ED291B17-9318-49DB-B28B-6E5994AE9581}" type="datetime1">
               <a:rPr lang="en-US" smtClean="0"/>
-              <a:t>5/10/2022</a:t>
+              <a:t>6/3/2023</a:t>
             </a:fld>
             <a:endParaRPr lang="en-US" dirty="0"/>
           </a:p>
@@ -11982,13 +11982,13 @@
         </p:nvSpPr>
         <p:spPr>
           <a:xfrm>
-            <a:off x="7079235" y="4362556"/>
-            <a:ext cx="10225530" cy="2495443"/>
+            <a:off x="7942192" y="5046234"/>
+            <a:ext cx="10100401" cy="791335"/>
           </a:xfrm>
         </p:spPr>
         <p:txBody>
           <a:bodyPr>
-            <a:normAutofit/>
+            <a:normAutofit lnSpcReduction="10000"/>
           </a:bodyPr>
           <a:lstStyle/>
           <a:p>
@@ -11998,7 +11998,7 @@
                   <a:schemeClr val="tx1"/>
                 </a:solidFill>
               </a:rPr>
-              <a:t>Credits:</a:t>
+              <a:t>Created by:</a:t>
             </a:r>
           </a:p>
           <a:p>
@@ -12008,7 +12008,265 @@
                   <a:schemeClr val="tx1"/>
                 </a:solidFill>
               </a:rPr>
-              <a:t>Gaurav Sharma(1902060),</a:t>
+              <a:t>Gaurav Sharma(1902060)</a:t>
+            </a:r>
+          </a:p>
+        </p:txBody>
+      </p:sp>
+      <p:sp>
+        <p:nvSpPr>
+          <p:cNvPr id="4" name="Subtitle 2">
+            <a:extLst>
+              <a:ext uri="{FF2B5EF4-FFF2-40B4-BE49-F238E27FC236}">
+                <a16:creationId xmlns:a16="http://schemas.microsoft.com/office/drawing/2014/main" id="{566AA04C-4699-A950-732C-F1C3424D878B}"/>
+              </a:ext>
+            </a:extLst>
+          </p:cNvPr>
+          <p:cNvSpPr txBox="1">
+            <a:spLocks/>
+          </p:cNvSpPr>
+          <p:nvPr/>
+        </p:nvSpPr>
+        <p:spPr>
+          <a:xfrm>
+            <a:off x="250826" y="5066663"/>
+            <a:ext cx="3290041" cy="1353592"/>
+          </a:xfrm>
+          <a:prstGeom prst="rect">
+            <a:avLst/>
+          </a:prstGeom>
+        </p:spPr>
+        <p:txBody>
+          <a:bodyPr vert="horz" lIns="91440" tIns="45720" rIns="91440" bIns="45720" rtlCol="0" anchor="t">
+            <a:normAutofit/>
+          </a:bodyPr>
+          <a:lstStyle>
+            <a:lvl1pPr marL="0" indent="0" algn="l" defTabSz="457200" rtl="0" eaLnBrk="1" latinLnBrk="0" hangingPunct="1">
+              <a:lnSpc>
+                <a:spcPct val="110000"/>
+              </a:lnSpc>
+              <a:spcBef>
+                <a:spcPct val="20000"/>
+              </a:spcBef>
+              <a:spcAft>
+                <a:spcPts val="600"/>
+              </a:spcAft>
+              <a:buClr>
+                <a:schemeClr val="accent1"/>
+              </a:buClr>
+              <a:buSzPct val="92000"/>
+              <a:buFont typeface="Wingdings 2" panose="05020102010507070707" pitchFamily="18" charset="2"/>
+              <a:buNone/>
+              <a:defRPr sz="1600" kern="1200" cap="all">
+                <a:solidFill>
+                  <a:schemeClr val="accent1"/>
+                </a:solidFill>
+                <a:latin typeface="+mn-lt"/>
+                <a:ea typeface="+mn-ea"/>
+                <a:cs typeface="+mn-cs"/>
+              </a:defRPr>
+            </a:lvl1pPr>
+            <a:lvl2pPr marL="457200" indent="0" algn="ctr" defTabSz="457200" rtl="0" eaLnBrk="1" latinLnBrk="0" hangingPunct="1">
+              <a:spcBef>
+                <a:spcPct val="20000"/>
+              </a:spcBef>
+              <a:spcAft>
+                <a:spcPts val="600"/>
+              </a:spcAft>
+              <a:buClr>
+                <a:schemeClr val="accent1"/>
+              </a:buClr>
+              <a:buSzPct val="92000"/>
+              <a:buFont typeface="Wingdings 2" panose="05020102010507070707" pitchFamily="18" charset="2"/>
+              <a:buNone/>
+              <a:defRPr sz="1400" kern="1200">
+                <a:solidFill>
+                  <a:schemeClr val="tx1">
+                    <a:tint val="75000"/>
+                  </a:schemeClr>
+                </a:solidFill>
+                <a:latin typeface="+mn-lt"/>
+                <a:ea typeface="+mn-ea"/>
+                <a:cs typeface="+mn-cs"/>
+              </a:defRPr>
+            </a:lvl2pPr>
+            <a:lvl3pPr marL="914400" indent="0" algn="ctr" defTabSz="457200" rtl="0" eaLnBrk="1" latinLnBrk="0" hangingPunct="1">
+              <a:spcBef>
+                <a:spcPct val="20000"/>
+              </a:spcBef>
+              <a:spcAft>
+                <a:spcPts val="600"/>
+              </a:spcAft>
+              <a:buClr>
+                <a:schemeClr val="accent1"/>
+              </a:buClr>
+              <a:buSzPct val="92000"/>
+              <a:buFont typeface="Wingdings 2" panose="05020102010507070707" pitchFamily="18" charset="2"/>
+              <a:buNone/>
+              <a:defRPr sz="1300" kern="1200">
+                <a:solidFill>
+                  <a:schemeClr val="tx1">
+                    <a:tint val="75000"/>
+                  </a:schemeClr>
+                </a:solidFill>
+                <a:latin typeface="+mn-lt"/>
+                <a:ea typeface="+mn-ea"/>
+                <a:cs typeface="+mn-cs"/>
+              </a:defRPr>
+            </a:lvl3pPr>
+            <a:lvl4pPr marL="1371600" indent="0" algn="ctr" defTabSz="457200" rtl="0" eaLnBrk="1" latinLnBrk="0" hangingPunct="1">
+              <a:spcBef>
+                <a:spcPct val="20000"/>
+              </a:spcBef>
+              <a:spcAft>
+                <a:spcPts val="600"/>
+              </a:spcAft>
+              <a:buClr>
+                <a:schemeClr val="accent1"/>
+              </a:buClr>
+              <a:buSzPct val="92000"/>
+              <a:buFont typeface="Wingdings 2" panose="05020102010507070707" pitchFamily="18" charset="2"/>
+              <a:buNone/>
+              <a:defRPr sz="1100" kern="1200">
+                <a:solidFill>
+                  <a:schemeClr val="tx1">
+                    <a:tint val="75000"/>
+                  </a:schemeClr>
+                </a:solidFill>
+                <a:latin typeface="+mn-lt"/>
+                <a:ea typeface="+mn-ea"/>
+                <a:cs typeface="+mn-cs"/>
+              </a:defRPr>
+            </a:lvl4pPr>
+            <a:lvl5pPr marL="1828800" indent="0" algn="ctr" defTabSz="457200" rtl="0" eaLnBrk="1" latinLnBrk="0" hangingPunct="1">
+              <a:spcBef>
+                <a:spcPct val="20000"/>
+              </a:spcBef>
+              <a:spcAft>
+                <a:spcPts val="600"/>
+              </a:spcAft>
+              <a:buClr>
+                <a:schemeClr val="accent1"/>
+              </a:buClr>
+              <a:buSzPct val="92000"/>
+              <a:buFont typeface="Wingdings 2" panose="05020102010507070707" pitchFamily="18" charset="2"/>
+              <a:buNone/>
+              <a:defRPr sz="1100" kern="1200">
+                <a:solidFill>
+                  <a:schemeClr val="tx1">
+                    <a:tint val="75000"/>
+                  </a:schemeClr>
+                </a:solidFill>
+                <a:latin typeface="+mn-lt"/>
+                <a:ea typeface="+mn-ea"/>
+                <a:cs typeface="+mn-cs"/>
+              </a:defRPr>
+            </a:lvl5pPr>
+            <a:lvl6pPr marL="2286000" indent="0" algn="ctr" defTabSz="457200" rtl="0" eaLnBrk="1" latinLnBrk="0" hangingPunct="1">
+              <a:spcBef>
+                <a:spcPct val="20000"/>
+              </a:spcBef>
+              <a:spcAft>
+                <a:spcPts val="600"/>
+              </a:spcAft>
+              <a:buClr>
+                <a:schemeClr val="accent2"/>
+              </a:buClr>
+              <a:buSzPct val="92000"/>
+              <a:buFont typeface="Wingdings 2" panose="05020102010507070707" pitchFamily="18" charset="2"/>
+              <a:buNone/>
+              <a:defRPr sz="1200" kern="1200">
+                <a:solidFill>
+                  <a:schemeClr val="tx1">
+                    <a:tint val="75000"/>
+                  </a:schemeClr>
+                </a:solidFill>
+                <a:latin typeface="+mn-lt"/>
+                <a:ea typeface="+mn-ea"/>
+                <a:cs typeface="+mn-cs"/>
+              </a:defRPr>
+            </a:lvl6pPr>
+            <a:lvl7pPr marL="2743200" indent="0" algn="ctr" defTabSz="457200" rtl="0" eaLnBrk="1" latinLnBrk="0" hangingPunct="1">
+              <a:spcBef>
+                <a:spcPct val="20000"/>
+              </a:spcBef>
+              <a:spcAft>
+                <a:spcPts val="600"/>
+              </a:spcAft>
+              <a:buClr>
+                <a:schemeClr val="accent2"/>
+              </a:buClr>
+              <a:buSzPct val="92000"/>
+              <a:buFont typeface="Wingdings 2" panose="05020102010507070707" pitchFamily="18" charset="2"/>
+              <a:buNone/>
+              <a:defRPr sz="1200" kern="1200">
+                <a:solidFill>
+                  <a:schemeClr val="tx1">
+                    <a:tint val="75000"/>
+                  </a:schemeClr>
+                </a:solidFill>
+                <a:latin typeface="+mn-lt"/>
+                <a:ea typeface="+mn-ea"/>
+                <a:cs typeface="+mn-cs"/>
+              </a:defRPr>
+            </a:lvl7pPr>
+            <a:lvl8pPr marL="3200400" indent="0" algn="ctr" defTabSz="457200" rtl="0" eaLnBrk="1" latinLnBrk="0" hangingPunct="1">
+              <a:spcBef>
+                <a:spcPct val="20000"/>
+              </a:spcBef>
+              <a:spcAft>
+                <a:spcPts val="600"/>
+              </a:spcAft>
+              <a:buClr>
+                <a:schemeClr val="accent2"/>
+              </a:buClr>
+              <a:buSzPct val="92000"/>
+              <a:buFont typeface="Wingdings 2" panose="05020102010507070707" pitchFamily="18" charset="2"/>
+              <a:buNone/>
+              <a:defRPr sz="1200" kern="1200">
+                <a:solidFill>
+                  <a:schemeClr val="tx1">
+                    <a:tint val="75000"/>
+                  </a:schemeClr>
+                </a:solidFill>
+                <a:latin typeface="+mn-lt"/>
+                <a:ea typeface="+mn-ea"/>
+                <a:cs typeface="+mn-cs"/>
+              </a:defRPr>
+            </a:lvl8pPr>
+            <a:lvl9pPr marL="3657600" indent="0" algn="ctr" defTabSz="457200" rtl="0" eaLnBrk="1" latinLnBrk="0" hangingPunct="1">
+              <a:spcBef>
+                <a:spcPct val="20000"/>
+              </a:spcBef>
+              <a:spcAft>
+                <a:spcPts val="600"/>
+              </a:spcAft>
+              <a:buClr>
+                <a:schemeClr val="accent2"/>
+              </a:buClr>
+              <a:buSzPct val="92000"/>
+              <a:buFont typeface="Wingdings 2" panose="05020102010507070707" pitchFamily="18" charset="2"/>
+              <a:buNone/>
+              <a:defRPr sz="1200" kern="1200">
+                <a:solidFill>
+                  <a:schemeClr val="tx1">
+                    <a:tint val="75000"/>
+                  </a:schemeClr>
+                </a:solidFill>
+                <a:latin typeface="+mn-lt"/>
+                <a:ea typeface="+mn-ea"/>
+                <a:cs typeface="+mn-cs"/>
+              </a:defRPr>
+            </a:lvl9pPr>
+          </a:lstStyle>
+          <a:p>
+            <a:r>
+              <a:rPr lang="en-US" sz="1800" b="1" dirty="0">
+                <a:solidFill>
+                  <a:schemeClr val="tx1"/>
+                </a:solidFill>
+              </a:rPr>
+              <a:t>Submitted to:</a:t>
             </a:r>
           </a:p>
           <a:p>
@@ -12018,42 +12276,25 @@
                   <a:schemeClr val="tx1"/>
                 </a:solidFill>
               </a:rPr>
-              <a:t>Surbhi </a:t>
+              <a:t>Mr. Rajeev Sharma</a:t>
             </a:r>
-            <a:r>
-              <a:rPr lang="en-US" sz="1800" b="1" dirty="0" err="1">
-                <a:solidFill>
-                  <a:schemeClr val="tx1"/>
-                </a:solidFill>
-              </a:rPr>
-              <a:t>Jangra</a:t>
-            </a:r>
+          </a:p>
+          <a:p>
             <a:r>
               <a:rPr lang="en-US" sz="1800" b="1" dirty="0">
                 <a:solidFill>
                   <a:schemeClr val="tx1"/>
                 </a:solidFill>
               </a:rPr>
-              <a:t>(1903192), </a:t>
+              <a:t>Assistant professor</a:t>
             </a:r>
           </a:p>
           <a:p>
-            <a:r>
-              <a:rPr lang="en-US" sz="1800" b="1" dirty="0" err="1">
-                <a:solidFill>
-                  <a:schemeClr val="tx1"/>
-                </a:solidFill>
-              </a:rPr>
-              <a:t>Furquan</a:t>
-            </a:r>
-            <a:r>
-              <a:rPr lang="en-US" sz="1800" b="1" dirty="0">
-                <a:solidFill>
-                  <a:schemeClr val="tx1"/>
-                </a:solidFill>
-              </a:rPr>
-              <a:t> Khan(1902057)</a:t>
-            </a:r>
+            <a:endParaRPr lang="en-US" sz="1800" b="1" dirty="0">
+              <a:solidFill>
+                <a:schemeClr val="tx1"/>
+              </a:solidFill>
+            </a:endParaRPr>
           </a:p>
         </p:txBody>
       </p:sp>
@@ -12103,9 +12344,9 @@
                             </p:stCondLst>
                             <p:childTnLst>
                               <p:par>
-                                <p:cTn id="5" presetID="10" presetClass="entr" presetSubtype="0" fill="hold" grpId="0" nodeType="afterEffect">
+                                <p:cTn id="5" presetID="10" presetClass="entr" presetSubtype="0" fill="hold" grpId="0" nodeType="withEffect">
                                   <p:stCondLst>
-                                    <p:cond delay="500"/>
+                                    <p:cond delay="0"/>
                                   </p:stCondLst>
                                   <p:childTnLst>
                                     <p:set>
@@ -12143,13 +12384,13 @@
                         <p:par>
                           <p:cTn id="8" fill="hold">
                             <p:stCondLst>
-                              <p:cond delay="1500"/>
+                              <p:cond delay="1000"/>
                             </p:stCondLst>
                             <p:childTnLst>
                               <p:par>
                                 <p:cTn id="9" presetID="10" presetClass="entr" presetSubtype="0" fill="hold" grpId="0" nodeType="afterEffect">
                                   <p:stCondLst>
-                                    <p:cond delay="500"/>
+                                    <p:cond delay="0"/>
                                   </p:stCondLst>
                                   <p:childTnLst>
                                     <p:set>
@@ -12195,13 +12436,13 @@
                         <p:par>
                           <p:cTn id="12" fill="hold">
                             <p:stCondLst>
-                              <p:cond delay="3000"/>
+                              <p:cond delay="2000"/>
                             </p:stCondLst>
                             <p:childTnLst>
                               <p:par>
                                 <p:cTn id="13" presetID="10" presetClass="entr" presetSubtype="0" fill="hold" grpId="0" nodeType="afterEffect">
                                   <p:stCondLst>
-                                    <p:cond delay="500"/>
+                                    <p:cond delay="0"/>
                                   </p:stCondLst>
                                   <p:childTnLst>
                                     <p:set>
@@ -12247,13 +12488,13 @@
                         <p:par>
                           <p:cTn id="16" fill="hold">
                             <p:stCondLst>
-                              <p:cond delay="4500"/>
+                              <p:cond delay="3000"/>
                             </p:stCondLst>
                             <p:childTnLst>
                               <p:par>
                                 <p:cTn id="17" presetID="10" presetClass="entr" presetSubtype="0" fill="hold" grpId="0" nodeType="afterEffect">
                                   <p:stCondLst>
-                                    <p:cond delay="500"/>
+                                    <p:cond delay="0"/>
                                   </p:stCondLst>
                                   <p:childTnLst>
                                     <p:set>
@@ -12264,7 +12505,111 @@
                                           </p:stCondLst>
                                         </p:cTn>
                                         <p:tgtEl>
-                                          <p:spTgt spid="3">
+                                          <p:spTgt spid="4">
+                                            <p:txEl>
+                                              <p:pRg st="0" end="0"/>
+                                            </p:txEl>
+                                          </p:spTgt>
+                                        </p:tgtEl>
+                                        <p:attrNameLst>
+                                          <p:attrName>style.visibility</p:attrName>
+                                        </p:attrNameLst>
+                                      </p:cBhvr>
+                                      <p:to>
+                                        <p:strVal val="visible"/>
+                                      </p:to>
+                                    </p:set>
+                                    <p:animEffect transition="in" filter="fade">
+                                      <p:cBhvr>
+                                        <p:cTn id="19" dur="1000"/>
+                                        <p:tgtEl>
+                                          <p:spTgt spid="4">
+                                            <p:txEl>
+                                              <p:pRg st="0" end="0"/>
+                                            </p:txEl>
+                                          </p:spTgt>
+                                        </p:tgtEl>
+                                      </p:cBhvr>
+                                    </p:animEffect>
+                                  </p:childTnLst>
+                                </p:cTn>
+                              </p:par>
+                            </p:childTnLst>
+                          </p:cTn>
+                        </p:par>
+                        <p:par>
+                          <p:cTn id="20" fill="hold">
+                            <p:stCondLst>
+                              <p:cond delay="4000"/>
+                            </p:stCondLst>
+                            <p:childTnLst>
+                              <p:par>
+                                <p:cTn id="21" presetID="10" presetClass="entr" presetSubtype="0" fill="hold" grpId="0" nodeType="afterEffect">
+                                  <p:stCondLst>
+                                    <p:cond delay="0"/>
+                                  </p:stCondLst>
+                                  <p:childTnLst>
+                                    <p:set>
+                                      <p:cBhvr>
+                                        <p:cTn id="22" dur="1" fill="hold">
+                                          <p:stCondLst>
+                                            <p:cond delay="0"/>
+                                          </p:stCondLst>
+                                        </p:cTn>
+                                        <p:tgtEl>
+                                          <p:spTgt spid="4">
+                                            <p:txEl>
+                                              <p:pRg st="1" end="1"/>
+                                            </p:txEl>
+                                          </p:spTgt>
+                                        </p:tgtEl>
+                                        <p:attrNameLst>
+                                          <p:attrName>style.visibility</p:attrName>
+                                        </p:attrNameLst>
+                                      </p:cBhvr>
+                                      <p:to>
+                                        <p:strVal val="visible"/>
+                                      </p:to>
+                                    </p:set>
+                                    <p:animEffect transition="in" filter="fade">
+                                      <p:cBhvr>
+                                        <p:cTn id="23" dur="1000"/>
+                                        <p:tgtEl>
+                                          <p:spTgt spid="4">
+                                            <p:txEl>
+                                              <p:pRg st="1" end="1"/>
+                                            </p:txEl>
+                                          </p:spTgt>
+                                        </p:tgtEl>
+                                      </p:cBhvr>
+                                    </p:animEffect>
+                                  </p:childTnLst>
+                                </p:cTn>
+                              </p:par>
+                            </p:childTnLst>
+                          </p:cTn>
+                        </p:par>
+                        <p:par>
+                          <p:cTn id="24" fill="hold">
+                            <p:stCondLst>
+                              <p:cond delay="5000"/>
+                            </p:stCondLst>
+                            <p:childTnLst>
+                              <p:par>
+                                <p:cTn id="25" presetID="10" presetClass="entr" presetSubtype="0" fill="hold" grpId="0" nodeType="afterEffect">
+                                  <p:stCondLst>
+                                    <p:cond delay="0"/>
+                                  </p:stCondLst>
+                                  <p:childTnLst>
+                                    <p:set>
+                                      <p:cBhvr>
+                                        <p:cTn id="26" dur="1" fill="hold">
+                                          <p:stCondLst>
+                                            <p:cond delay="0"/>
+                                          </p:stCondLst>
+                                        </p:cTn>
+                                        <p:tgtEl>
+                                          <p:spTgt spid="4">
                                             <p:txEl>
                                               <p:pRg st="2" end="2"/>
                                             </p:txEl>
@@ -12280,63 +12625,11 @@
                                     </p:set>
                                     <p:animEffect transition="in" filter="fade">
                                       <p:cBhvr>
-                                        <p:cTn id="19" dur="1000"/>
+                                        <p:cTn id="27" dur="1000"/>
                                         <p:tgtEl>
-                                          <p:spTgt spid="3">
+                                          <p:spTgt spid="4">
                                             <p:txEl>
                                               <p:pRg st="2" end="2"/>
-                                            </p:txEl>
-                                          </p:spTgt>
-                                        </p:tgtEl>
-                                      </p:cBhvr>
-                                    </p:animEffect>
-                                  </p:childTnLst>
-                                </p:cTn>
-                              </p:par>
-                            </p:childTnLst>
-                          </p:cTn>
-                        </p:par>
-                        <p:par>
-                          <p:cTn id="20" fill="hold">
-                            <p:stCondLst>
-                              <p:cond delay="6000"/>
-                            </p:stCondLst>
-                            <p:childTnLst>
-                              <p:par>
-                                <p:cTn id="21" presetID="10" presetClass="entr" presetSubtype="0" fill="hold" grpId="0" nodeType="afterEffect">
-                                  <p:stCondLst>
-                                    <p:cond delay="500"/>
-                                  </p:stCondLst>
-                                  <p:childTnLst>
-                                    <p:set>
-                                      <p:cBhvr>
-                                        <p:cTn id="22" dur="1" fill="hold">
-                                          <p:stCondLst>
-                                            <p:cond delay="0"/>
-                                          </p:stCondLst>
-                                        </p:cTn>
-                                        <p:tgtEl>
-                                          <p:spTgt spid="3">
-                                            <p:txEl>
-                                              <p:pRg st="3" end="3"/>
-                                            </p:txEl>
-                                          </p:spTgt>
-                                        </p:tgtEl>
-                                        <p:attrNameLst>
-                                          <p:attrName>style.visibility</p:attrName>
-                                        </p:attrNameLst>
-                                      </p:cBhvr>
-                                      <p:to>
-                                        <p:strVal val="visible"/>
-                                      </p:to>
-                                    </p:set>
-                                    <p:animEffect transition="in" filter="fade">
-                                      <p:cBhvr>
-                                        <p:cTn id="23" dur="1000"/>
-                                        <p:tgtEl>
-                                          <p:spTgt spid="3">
-                                            <p:txEl>
-                                              <p:pRg st="3" end="3"/>
                                             </p:txEl>
                                           </p:spTgt>
                                         </p:tgtEl>
@@ -12374,7 +12667,8 @@
     </p:tnLst>
     <p:bldLst>
       <p:bldP spid="2" grpId="0"/>
-      <p:bldP spid="3" grpId="0" build="p"/>
+      <p:bldP spid="3" grpId="0" uiExpand="1" build="p"/>
+      <p:bldP spid="4" grpId="0" uiExpand="1" build="p"/>
     </p:bldLst>
   </p:timing>
 </p:sld>
@@ -18147,6 +18441,24 @@
 </file>
 
 <file path=customXml/item1.xml><?xml version="1.0" encoding="utf-8"?>
+<?mso-contentType ?>
+<FormTemplates xmlns="http://schemas.microsoft.com/sharepoint/v3/contenttype/forms">
+  <Display>DocumentLibraryForm</Display>
+  <Edit>DocumentLibraryForm</Edit>
+  <New>DocumentLibraryForm</New>
+</FormTemplates>
+</file>
+
+<file path=customXml/item2.xml><?xml version="1.0" encoding="utf-8"?>
+<p:properties xmlns:p="http://schemas.microsoft.com/office/2006/metadata/properties" xmlns:xsi="http://www.w3.org/2001/XMLSchema-instance" xmlns:pc="http://schemas.microsoft.com/office/infopath/2007/PartnerControls">
+  <documentManagement>
+    <Status xmlns="71af3243-3dd4-4a8d-8c0d-dd76da1f02a5">Not started</Status>
+    <MediaServiceKeyPoints xmlns="71af3243-3dd4-4a8d-8c0d-dd76da1f02a5" xsi:nil="true"/>
+  </documentManagement>
+</p:properties>
+</file>
+
+<file path=customXml/item3.xml><?xml version="1.0" encoding="utf-8"?>
 <ct:contentTypeSchema xmlns:ct="http://schemas.microsoft.com/office/2006/metadata/contentType" xmlns:ma="http://schemas.microsoft.com/office/2006/metadata/properties/metaAttributes" ct:_="" ma:_="" ma:contentTypeName="Document" ma:contentTypeID="0x01010079F111ED35F8CC479449609E8A0923A6" ma:contentTypeVersion="12" ma:contentTypeDescription="Create a new document." ma:contentTypeScope="" ma:versionID="a410dd7f93c95333ffa1b60ed6adedd1">
   <xsd:schema xmlns:xsd="http://www.w3.org/2001/XMLSchema" xmlns:xs="http://www.w3.org/2001/XMLSchema" xmlns:p="http://schemas.microsoft.com/office/2006/metadata/properties" xmlns:ns2="71af3243-3dd4-4a8d-8c0d-dd76da1f02a5" xmlns:ns3="16c05727-aa75-4e4a-9b5f-8a80a1165891" targetNamespace="http://schemas.microsoft.com/office/2006/metadata/properties" ma:root="true" ma:fieldsID="a936d9baba76aa3866493feff160faab" ns2:_="" ns3:_="">
     <xsd:import namespace="71af3243-3dd4-4a8d-8c0d-dd76da1f02a5"/>
@@ -18367,25 +18679,25 @@
 </ct:contentTypeSchema>
 </file>
 
-<file path=customXml/item2.xml><?xml version="1.0" encoding="utf-8"?>
-<?mso-contentType ?>
-<FormTemplates xmlns="http://schemas.microsoft.com/sharepoint/v3/contenttype/forms">
-  <Display>DocumentLibraryForm</Display>
-  <Edit>DocumentLibraryForm</Edit>
-  <New>DocumentLibraryForm</New>
-</FormTemplates>
+<file path=customXml/itemProps1.xml><?xml version="1.0" encoding="utf-8"?>
+<ds:datastoreItem xmlns:ds="http://schemas.openxmlformats.org/officeDocument/2006/customXml" ds:itemID="{B116C154-5A0F-4CDC-8C15-D2E21584649C}">
+  <ds:schemaRefs>
+    <ds:schemaRef ds:uri="http://schemas.microsoft.com/sharepoint/v3/contenttype/forms"/>
+  </ds:schemaRefs>
+</ds:datastoreItem>
 </file>
 
-<file path=customXml/item3.xml><?xml version="1.0" encoding="utf-8"?>
-<p:properties xmlns:p="http://schemas.microsoft.com/office/2006/metadata/properties" xmlns:xsi="http://www.w3.org/2001/XMLSchema-instance" xmlns:pc="http://schemas.microsoft.com/office/infopath/2007/PartnerControls">
-  <documentManagement>
-    <Status xmlns="71af3243-3dd4-4a8d-8c0d-dd76da1f02a5">Not started</Status>
-    <MediaServiceKeyPoints xmlns="71af3243-3dd4-4a8d-8c0d-dd76da1f02a5" xsi:nil="true"/>
-  </documentManagement>
-</p:properties>
+<file path=customXml/itemProps2.xml><?xml version="1.0" encoding="utf-8"?>
+<ds:datastoreItem xmlns:ds="http://schemas.openxmlformats.org/officeDocument/2006/customXml" ds:itemID="{3A6D3478-2986-4664-940C-67E0CAA21E04}">
+  <ds:schemaRefs>
+    <ds:schemaRef ds:uri="http://schemas.microsoft.com/office/2006/metadata/properties"/>
+    <ds:schemaRef ds:uri="http://schemas.microsoft.com/office/infopath/2007/PartnerControls"/>
+    <ds:schemaRef ds:uri="71af3243-3dd4-4a8d-8c0d-dd76da1f02a5"/>
+  </ds:schemaRefs>
+</ds:datastoreItem>
 </file>
 
-<file path=customXml/itemProps1.xml><?xml version="1.0" encoding="utf-8"?>
+<file path=customXml/itemProps3.xml><?xml version="1.0" encoding="utf-8"?>
 <ds:datastoreItem xmlns:ds="http://schemas.openxmlformats.org/officeDocument/2006/customXml" ds:itemID="{956C3F92-CC28-42D8-BF09-077075551065}">
   <ds:schemaRefs>
     <ds:schemaRef ds:uri="http://schemas.microsoft.com/office/2006/metadata/contentType"/>
@@ -18402,22 +18714,4 @@
     <ds:schemaRef ds:uri="http://schemas.microsoft.com/internal/obd"/>
   </ds:schemaRefs>
 </ds:datastoreItem>
-</file>
-
-<file path=customXml/itemProps2.xml><?xml version="1.0" encoding="utf-8"?>
-<ds:datastoreItem xmlns:ds="http://schemas.openxmlformats.org/officeDocument/2006/customXml" ds:itemID="{B116C154-5A0F-4CDC-8C15-D2E21584649C}">
-  <ds:schemaRefs>
-    <ds:schemaRef ds:uri="http://schemas.microsoft.com/sharepoint/v3/contenttype/forms"/>
-  </ds:schemaRefs>
-</ds:datastoreItem>
-</file>
-
-<file path=customXml/itemProps3.xml><?xml version="1.0" encoding="utf-8"?>
-<ds:datastoreItem xmlns:ds="http://schemas.openxmlformats.org/officeDocument/2006/customXml" ds:itemID="{3A6D3478-2986-4664-940C-67E0CAA21E04}">
-  <ds:schemaRefs>
-    <ds:schemaRef ds:uri="http://schemas.microsoft.com/office/2006/metadata/properties"/>
-    <ds:schemaRef ds:uri="http://schemas.microsoft.com/office/infopath/2007/PartnerControls"/>
-    <ds:schemaRef ds:uri="71af3243-3dd4-4a8d-8c0d-dd76da1f02a5"/>
-  </ds:schemaRefs>
-</ds:datastoreItem>
 </file>